--- a/Lecture_3_Auto_Scaling/auto_scale.pptx
+++ b/Lecture_3_Auto_Scaling/auto_scale.pptx
@@ -5,14 +5,16 @@
     <p:sldMasterId id="2147483660" r:id="rId1"/>
   </p:sldMasterIdLst>
   <p:notesMasterIdLst>
-    <p:notesMasterId r:id="rId7"/>
+    <p:notesMasterId r:id="rId9"/>
   </p:notesMasterIdLst>
   <p:sldIdLst>
     <p:sldId id="256" r:id="rId2"/>
-    <p:sldId id="279" r:id="rId3"/>
-    <p:sldId id="282" r:id="rId4"/>
-    <p:sldId id="281" r:id="rId5"/>
-    <p:sldId id="280" r:id="rId6"/>
+    <p:sldId id="263" r:id="rId3"/>
+    <p:sldId id="279" r:id="rId4"/>
+    <p:sldId id="282" r:id="rId5"/>
+    <p:sldId id="281" r:id="rId6"/>
+    <p:sldId id="280" r:id="rId7"/>
+    <p:sldId id="284" r:id="rId8"/>
   </p:sldIdLst>
   <p:sldSz cx="12192000" cy="6858000"/>
   <p:notesSz cx="6858000" cy="9144000"/>
@@ -117,10 +119,12 @@
         <p14:section name="Default Section" id="{1105D052-1CCB-4483-BEEE-68BC8F683CBA}">
           <p14:sldIdLst>
             <p14:sldId id="256"/>
+            <p14:sldId id="263"/>
             <p14:sldId id="279"/>
             <p14:sldId id="282"/>
             <p14:sldId id="281"/>
             <p14:sldId id="280"/>
+            <p14:sldId id="284"/>
           </p14:sldIdLst>
         </p14:section>
       </p14:sectionLst>
@@ -214,7 +218,7 @@
           <a:p>
             <a:fld id="{07D895DB-E61D-4CE9-9710-80DFE93F382F}" type="datetimeFigureOut">
               <a:rPr lang="en-US" smtClean="0"/>
-              <a:t>9/2/2019</a:t>
+              <a:t>10/7/2019</a:t>
             </a:fld>
             <a:endParaRPr lang="en-US"/>
           </a:p>
@@ -479,6 +483,509 @@
     </a:lvl9pPr>
   </p:notesStyle>
 </p:notesMaster>
+</file>
+
+<file path=ppt/notesSlides/notesSlide1.xml><?xml version="1.0" encoding="utf-8"?>
+<p:notes xmlns:a="http://schemas.openxmlformats.org/drawingml/2006/main" xmlns:r="http://schemas.openxmlformats.org/officeDocument/2006/relationships" xmlns:p="http://schemas.openxmlformats.org/presentationml/2006/main">
+  <p:cSld>
+    <p:spTree>
+      <p:nvGrpSpPr>
+        <p:cNvPr id="1" name=""/>
+        <p:cNvGrpSpPr/>
+        <p:nvPr/>
+      </p:nvGrpSpPr>
+      <p:grpSpPr>
+        <a:xfrm>
+          <a:off x="0" y="0"/>
+          <a:ext cx="0" cy="0"/>
+          <a:chOff x="0" y="0"/>
+          <a:chExt cx="0" cy="0"/>
+        </a:xfrm>
+      </p:grpSpPr>
+      <p:sp>
+        <p:nvSpPr>
+          <p:cNvPr id="2" name="Slide Image Placeholder 1"/>
+          <p:cNvSpPr>
+            <a:spLocks noGrp="1" noRot="1" noChangeAspect="1"/>
+          </p:cNvSpPr>
+          <p:nvPr>
+            <p:ph type="sldImg"/>
+          </p:nvPr>
+        </p:nvSpPr>
+        <p:spPr/>
+      </p:sp>
+      <p:sp>
+        <p:nvSpPr>
+          <p:cNvPr id="3" name="Notes Placeholder 2"/>
+          <p:cNvSpPr>
+            <a:spLocks noGrp="1"/>
+          </p:cNvSpPr>
+          <p:nvPr>
+            <p:ph type="body" idx="1"/>
+          </p:nvPr>
+        </p:nvSpPr>
+        <p:spPr/>
+        <p:txBody>
+          <a:bodyPr/>
+          <a:lstStyle/>
+          <a:p>
+            <a:r>
+              <a:rPr lang="en-US" sz="1200" b="0" i="0" kern="1200" dirty="0">
+                <a:solidFill>
+                  <a:schemeClr val="tx1"/>
+                </a:solidFill>
+                <a:effectLst/>
+                <a:latin typeface="+mn-lt"/>
+                <a:ea typeface="+mn-ea"/>
+                <a:cs typeface="+mn-cs"/>
+              </a:rPr>
+              <a:t>You can set up your load balancer in EC2-Classic to distribute incoming requests across EC2 instances in a single Availability Zone or multiple Availability Zones. First, launch EC2 instances in all the Availability Zones that you plan to use. Next, register these instances with your load balancer. Finally, add the Availability Zones to your load balancer. After you add an Availability Zone, the load balancer starts routing requests to the registered instances in that Availability Zone. Note that you can modify the Availability Zones for your load balancer at any time.</a:t>
+            </a:r>
+            <a:br>
+              <a:rPr lang="en-US" sz="1200" b="0" i="0" kern="1200" dirty="0">
+                <a:solidFill>
+                  <a:schemeClr val="tx1"/>
+                </a:solidFill>
+                <a:effectLst/>
+                <a:latin typeface="+mn-lt"/>
+                <a:ea typeface="+mn-ea"/>
+                <a:cs typeface="+mn-cs"/>
+              </a:rPr>
+            </a:br>
+            <a:r>
+              <a:rPr lang="ru-RU" sz="1200" b="1" i="0" kern="1200" dirty="0">
+                <a:solidFill>
+                  <a:schemeClr val="tx1"/>
+                </a:solidFill>
+                <a:effectLst/>
+                <a:latin typeface="+mn-lt"/>
+                <a:ea typeface="+mn-ea"/>
+                <a:cs typeface="+mn-cs"/>
+              </a:rPr>
+              <a:t>Classic Load Balancer</a:t>
+            </a:r>
+          </a:p>
+          <a:p>
+            <a:r>
+              <a:rPr lang="ru-RU" sz="1200" b="0" i="0" kern="1200" dirty="0">
+                <a:solidFill>
+                  <a:schemeClr val="tx1"/>
+                </a:solidFill>
+                <a:effectLst/>
+                <a:latin typeface="+mn-lt"/>
+                <a:ea typeface="+mn-ea"/>
+                <a:cs typeface="+mn-cs"/>
+              </a:rPr>
+              <a:t>Classic Load Balancer обеспечивает базовую балансировку нагрузки между несколькими инстансами Amazon EC2 и работает как на уровне запросов, так и на уровне соединения. Classic Load Balancer предназначен для приложений, которые были построены в сети EC2‑Classic.</a:t>
+            </a:r>
+          </a:p>
+          <a:p>
+            <a:r>
+              <a:rPr lang="en-US" sz="1200" b="1" i="0" kern="1200" dirty="0">
+                <a:solidFill>
+                  <a:schemeClr val="tx1"/>
+                </a:solidFill>
+                <a:effectLst/>
+                <a:latin typeface="+mn-lt"/>
+                <a:ea typeface="+mn-ea"/>
+                <a:cs typeface="+mn-cs"/>
+              </a:rPr>
+              <a:t>Network Load Balancer</a:t>
+            </a:r>
+          </a:p>
+          <a:p>
+            <a:r>
+              <a:rPr lang="en-US" sz="1200" b="0" i="0" kern="1200" dirty="0">
+                <a:solidFill>
+                  <a:schemeClr val="tx1"/>
+                </a:solidFill>
+                <a:effectLst/>
+                <a:latin typeface="+mn-lt"/>
+                <a:ea typeface="+mn-ea"/>
+                <a:cs typeface="+mn-cs"/>
+              </a:rPr>
+              <a:t>Network Load Balancer </a:t>
+            </a:r>
+            <a:r>
+              <a:rPr lang="ru-RU" sz="1200" b="0" i="0" kern="1200" dirty="0">
+                <a:solidFill>
+                  <a:schemeClr val="tx1"/>
+                </a:solidFill>
+                <a:effectLst/>
+                <a:latin typeface="+mn-lt"/>
+                <a:ea typeface="+mn-ea"/>
+                <a:cs typeface="+mn-cs"/>
+              </a:rPr>
+              <a:t>оптимально подходит для балансировки трафика по протоколам </a:t>
+            </a:r>
+            <a:r>
+              <a:rPr lang="en-US" sz="1200" b="0" i="0" kern="1200" dirty="0">
+                <a:solidFill>
+                  <a:schemeClr val="tx1"/>
+                </a:solidFill>
+                <a:effectLst/>
+                <a:latin typeface="+mn-lt"/>
+                <a:ea typeface="+mn-ea"/>
+                <a:cs typeface="+mn-cs"/>
+              </a:rPr>
+              <a:t>Transmission Control Protocol (TCP), User Datagram Protocol (UDP) </a:t>
+            </a:r>
+            <a:r>
+              <a:rPr lang="ru-RU" sz="1200" b="0" i="0" kern="1200" dirty="0">
+                <a:solidFill>
+                  <a:schemeClr val="tx1"/>
+                </a:solidFill>
+                <a:effectLst/>
+                <a:latin typeface="+mn-lt"/>
+                <a:ea typeface="+mn-ea"/>
+                <a:cs typeface="+mn-cs"/>
+              </a:rPr>
+              <a:t>и </a:t>
+            </a:r>
+            <a:r>
+              <a:rPr lang="en-US" sz="1200" b="0" i="0" kern="1200" dirty="0">
+                <a:solidFill>
+                  <a:schemeClr val="tx1"/>
+                </a:solidFill>
+                <a:effectLst/>
+                <a:latin typeface="+mn-lt"/>
+                <a:ea typeface="+mn-ea"/>
+                <a:cs typeface="+mn-cs"/>
+              </a:rPr>
+              <a:t>Transport Layer Security (TLS), </a:t>
+            </a:r>
+            <a:r>
+              <a:rPr lang="ru-RU" sz="1200" b="0" i="0" kern="1200" dirty="0">
+                <a:solidFill>
+                  <a:schemeClr val="tx1"/>
+                </a:solidFill>
+                <a:effectLst/>
+                <a:latin typeface="+mn-lt"/>
+                <a:ea typeface="+mn-ea"/>
+                <a:cs typeface="+mn-cs"/>
+              </a:rPr>
+              <a:t>когда требуется высокая производительность. Работая на уровне соединения (уровень 4), </a:t>
+            </a:r>
+            <a:r>
+              <a:rPr lang="en-US" sz="1200" b="0" i="0" kern="1200" dirty="0">
+                <a:solidFill>
+                  <a:schemeClr val="tx1"/>
+                </a:solidFill>
+                <a:effectLst/>
+                <a:latin typeface="+mn-lt"/>
+                <a:ea typeface="+mn-ea"/>
+                <a:cs typeface="+mn-cs"/>
+              </a:rPr>
+              <a:t>Network Load Balancer </a:t>
+            </a:r>
+            <a:r>
+              <a:rPr lang="ru-RU" sz="1200" b="0" i="0" kern="1200" dirty="0">
+                <a:solidFill>
+                  <a:schemeClr val="tx1"/>
+                </a:solidFill>
+                <a:effectLst/>
+                <a:latin typeface="+mn-lt"/>
+                <a:ea typeface="+mn-ea"/>
+                <a:cs typeface="+mn-cs"/>
+              </a:rPr>
+              <a:t>направляет трафик на целевые объекты в </a:t>
+            </a:r>
+            <a:r>
+              <a:rPr lang="en-US" sz="1200" b="0" i="0" kern="1200" dirty="0">
+                <a:solidFill>
+                  <a:schemeClr val="tx1"/>
+                </a:solidFill>
+                <a:effectLst/>
+                <a:latin typeface="+mn-lt"/>
+                <a:ea typeface="+mn-ea"/>
+                <a:cs typeface="+mn-cs"/>
+              </a:rPr>
+              <a:t>Amazon Virtual Private Cloud (Amazon VPC) </a:t>
+            </a:r>
+            <a:r>
+              <a:rPr lang="ru-RU" sz="1200" b="0" i="0" kern="1200" dirty="0">
+                <a:solidFill>
+                  <a:schemeClr val="tx1"/>
+                </a:solidFill>
+                <a:effectLst/>
+                <a:latin typeface="+mn-lt"/>
+                <a:ea typeface="+mn-ea"/>
+                <a:cs typeface="+mn-cs"/>
+              </a:rPr>
+              <a:t>и может обрабатывать миллионы запросов в секунду при сохранении сверхнизких задержек. </a:t>
+            </a:r>
+            <a:r>
+              <a:rPr lang="en-US" sz="1200" b="0" i="0" kern="1200" dirty="0">
+                <a:solidFill>
+                  <a:schemeClr val="tx1"/>
+                </a:solidFill>
+                <a:effectLst/>
+                <a:latin typeface="+mn-lt"/>
+                <a:ea typeface="+mn-ea"/>
+                <a:cs typeface="+mn-cs"/>
+              </a:rPr>
+              <a:t>Network Load Balancer </a:t>
+            </a:r>
+            <a:r>
+              <a:rPr lang="ru-RU" sz="1200" b="0" i="0" kern="1200" dirty="0">
+                <a:solidFill>
+                  <a:schemeClr val="tx1"/>
+                </a:solidFill>
+                <a:effectLst/>
+                <a:latin typeface="+mn-lt"/>
+                <a:ea typeface="+mn-ea"/>
+                <a:cs typeface="+mn-cs"/>
+              </a:rPr>
+              <a:t>также оптимизирован для обработки моделей трафика с внезапной и изменяющейся нагрузкой.</a:t>
+            </a:r>
+          </a:p>
+          <a:p>
+            <a:r>
+              <a:rPr lang="ru-RU" sz="1200" b="1" i="0" kern="1200" dirty="0">
+                <a:solidFill>
+                  <a:schemeClr val="tx1"/>
+                </a:solidFill>
+                <a:effectLst/>
+                <a:latin typeface="+mn-lt"/>
+                <a:ea typeface="+mn-ea"/>
+                <a:cs typeface="+mn-cs"/>
+              </a:rPr>
+              <a:t>Application Load Balancer</a:t>
+            </a:r>
+          </a:p>
+          <a:p>
+            <a:r>
+              <a:rPr lang="ru-RU" sz="1200" b="0" i="0" kern="1200" dirty="0">
+                <a:solidFill>
+                  <a:schemeClr val="tx1"/>
+                </a:solidFill>
+                <a:effectLst/>
+                <a:latin typeface="+mn-lt"/>
+                <a:ea typeface="+mn-ea"/>
+                <a:cs typeface="+mn-cs"/>
+              </a:rPr>
+              <a:t>Application Load Balancer лучше всего подходит для балансировки нагрузки трафика HTTP и HTTPS и обеспечивает расширенную маршрутизацию запросов, ориентированную на доставку приложений, которые построены на базе современных архитектур, включая микросервисы и контейнеры. Работая на уровне отдельных запросов (уровень 7), Application Load Balancer направляет трафик на целевые объекты в Amazon Virtual Private Cloud (Amazon VPC), опираясь на содержимое запроса.</a:t>
+            </a:r>
+          </a:p>
+          <a:p>
+            <a:endParaRPr lang="en-US" dirty="0"/>
+          </a:p>
+        </p:txBody>
+      </p:sp>
+      <p:sp>
+        <p:nvSpPr>
+          <p:cNvPr id="4" name="Slide Number Placeholder 3"/>
+          <p:cNvSpPr>
+            <a:spLocks noGrp="1"/>
+          </p:cNvSpPr>
+          <p:nvPr>
+            <p:ph type="sldNum" sz="quarter" idx="5"/>
+          </p:nvPr>
+        </p:nvSpPr>
+        <p:spPr/>
+        <p:txBody>
+          <a:bodyPr/>
+          <a:lstStyle/>
+          <a:p>
+            <a:fld id="{854849D2-CA60-4E91-8A83-9389C3F76D2A}" type="slidenum">
+              <a:rPr lang="en-US" smtClean="0"/>
+              <a:t>4</a:t>
+            </a:fld>
+            <a:endParaRPr lang="en-US"/>
+          </a:p>
+        </p:txBody>
+      </p:sp>
+    </p:spTree>
+    <p:extLst>
+      <p:ext uri="{BB962C8B-B14F-4D97-AF65-F5344CB8AC3E}">
+        <p14:creationId xmlns:p14="http://schemas.microsoft.com/office/powerpoint/2010/main" val="4027538777"/>
+      </p:ext>
+    </p:extLst>
+  </p:cSld>
+  <p:clrMapOvr>
+    <a:masterClrMapping/>
+  </p:clrMapOvr>
+</p:notes>
+</file>
+
+<file path=ppt/notesSlides/notesSlide2.xml><?xml version="1.0" encoding="utf-8"?>
+<p:notes xmlns:a="http://schemas.openxmlformats.org/drawingml/2006/main" xmlns:r="http://schemas.openxmlformats.org/officeDocument/2006/relationships" xmlns:p="http://schemas.openxmlformats.org/presentationml/2006/main">
+  <p:cSld>
+    <p:spTree>
+      <p:nvGrpSpPr>
+        <p:cNvPr id="1" name=""/>
+        <p:cNvGrpSpPr/>
+        <p:nvPr/>
+      </p:nvGrpSpPr>
+      <p:grpSpPr>
+        <a:xfrm>
+          <a:off x="0" y="0"/>
+          <a:ext cx="0" cy="0"/>
+          <a:chOff x="0" y="0"/>
+          <a:chExt cx="0" cy="0"/>
+        </a:xfrm>
+      </p:grpSpPr>
+      <p:sp>
+        <p:nvSpPr>
+          <p:cNvPr id="2" name="Slide Image Placeholder 1"/>
+          <p:cNvSpPr>
+            <a:spLocks noGrp="1" noRot="1" noChangeAspect="1"/>
+          </p:cNvSpPr>
+          <p:nvPr>
+            <p:ph type="sldImg"/>
+          </p:nvPr>
+        </p:nvSpPr>
+        <p:spPr/>
+      </p:sp>
+      <p:sp>
+        <p:nvSpPr>
+          <p:cNvPr id="3" name="Notes Placeholder 2"/>
+          <p:cNvSpPr>
+            <a:spLocks noGrp="1"/>
+          </p:cNvSpPr>
+          <p:nvPr>
+            <p:ph type="body" idx="1"/>
+          </p:nvPr>
+        </p:nvSpPr>
+        <p:spPr/>
+        <p:txBody>
+          <a:bodyPr/>
+          <a:lstStyle/>
+          <a:p>
+            <a:endParaRPr lang="en-US" dirty="0"/>
+          </a:p>
+        </p:txBody>
+      </p:sp>
+      <p:sp>
+        <p:nvSpPr>
+          <p:cNvPr id="4" name="Slide Number Placeholder 3"/>
+          <p:cNvSpPr>
+            <a:spLocks noGrp="1"/>
+          </p:cNvSpPr>
+          <p:nvPr>
+            <p:ph type="sldNum" sz="quarter" idx="5"/>
+          </p:nvPr>
+        </p:nvSpPr>
+        <p:spPr/>
+        <p:txBody>
+          <a:bodyPr/>
+          <a:lstStyle/>
+          <a:p>
+            <a:fld id="{854849D2-CA60-4E91-8A83-9389C3F76D2A}" type="slidenum">
+              <a:rPr lang="en-US" smtClean="0"/>
+              <a:t>5</a:t>
+            </a:fld>
+            <a:endParaRPr lang="en-US"/>
+          </a:p>
+        </p:txBody>
+      </p:sp>
+    </p:spTree>
+    <p:extLst>
+      <p:ext uri="{BB962C8B-B14F-4D97-AF65-F5344CB8AC3E}">
+        <p14:creationId xmlns:p14="http://schemas.microsoft.com/office/powerpoint/2010/main" val="1055906479"/>
+      </p:ext>
+    </p:extLst>
+  </p:cSld>
+  <p:clrMapOvr>
+    <a:masterClrMapping/>
+  </p:clrMapOvr>
+</p:notes>
+</file>
+
+<file path=ppt/notesSlides/notesSlide3.xml><?xml version="1.0" encoding="utf-8"?>
+<p:notes xmlns:a="http://schemas.openxmlformats.org/drawingml/2006/main" xmlns:r="http://schemas.openxmlformats.org/officeDocument/2006/relationships" xmlns:p="http://schemas.openxmlformats.org/presentationml/2006/main">
+  <p:cSld>
+    <p:spTree>
+      <p:nvGrpSpPr>
+        <p:cNvPr id="1" name=""/>
+        <p:cNvGrpSpPr/>
+        <p:nvPr/>
+      </p:nvGrpSpPr>
+      <p:grpSpPr>
+        <a:xfrm>
+          <a:off x="0" y="0"/>
+          <a:ext cx="0" cy="0"/>
+          <a:chOff x="0" y="0"/>
+          <a:chExt cx="0" cy="0"/>
+        </a:xfrm>
+      </p:grpSpPr>
+      <p:sp>
+        <p:nvSpPr>
+          <p:cNvPr id="2" name="Slide Image Placeholder 1"/>
+          <p:cNvSpPr>
+            <a:spLocks noGrp="1" noRot="1" noChangeAspect="1"/>
+          </p:cNvSpPr>
+          <p:nvPr>
+            <p:ph type="sldImg"/>
+          </p:nvPr>
+        </p:nvSpPr>
+        <p:spPr/>
+      </p:sp>
+      <p:sp>
+        <p:nvSpPr>
+          <p:cNvPr id="3" name="Notes Placeholder 2"/>
+          <p:cNvSpPr>
+            <a:spLocks noGrp="1"/>
+          </p:cNvSpPr>
+          <p:nvPr>
+            <p:ph type="body" idx="1"/>
+          </p:nvPr>
+        </p:nvSpPr>
+        <p:spPr/>
+        <p:txBody>
+          <a:bodyPr/>
+          <a:lstStyle/>
+          <a:p>
+            <a:r>
+              <a:rPr lang="en-US" sz="1200" b="0" i="0" kern="1200" dirty="0">
+                <a:solidFill>
+                  <a:schemeClr val="tx1"/>
+                </a:solidFill>
+                <a:effectLst/>
+                <a:latin typeface="+mn-lt"/>
+                <a:ea typeface="+mn-ea"/>
+                <a:cs typeface="+mn-cs"/>
+              </a:rPr>
+              <a:t>There is a key difference in how the load balancer types are configured. With Application Load Balancers and Network Load Balancers, you register targets in target groups, and route traffic to the target groups. With Classic Load Balancers, you register instances with the load balancer</a:t>
+            </a:r>
+            <a:endParaRPr lang="en-US" dirty="0"/>
+          </a:p>
+        </p:txBody>
+      </p:sp>
+      <p:sp>
+        <p:nvSpPr>
+          <p:cNvPr id="4" name="Slide Number Placeholder 3"/>
+          <p:cNvSpPr>
+            <a:spLocks noGrp="1"/>
+          </p:cNvSpPr>
+          <p:nvPr>
+            <p:ph type="sldNum" sz="quarter" idx="5"/>
+          </p:nvPr>
+        </p:nvSpPr>
+        <p:spPr/>
+        <p:txBody>
+          <a:bodyPr/>
+          <a:lstStyle/>
+          <a:p>
+            <a:fld id="{854849D2-CA60-4E91-8A83-9389C3F76D2A}" type="slidenum">
+              <a:rPr lang="en-US" smtClean="0"/>
+              <a:t>6</a:t>
+            </a:fld>
+            <a:endParaRPr lang="en-US"/>
+          </a:p>
+        </p:txBody>
+      </p:sp>
+    </p:spTree>
+    <p:extLst>
+      <p:ext uri="{BB962C8B-B14F-4D97-AF65-F5344CB8AC3E}">
+        <p14:creationId xmlns:p14="http://schemas.microsoft.com/office/powerpoint/2010/main" val="107013235"/>
+      </p:ext>
+    </p:extLst>
+  </p:cSld>
+  <p:clrMapOvr>
+    <a:masterClrMapping/>
+  </p:clrMapOvr>
+</p:notes>
 </file>
 
 <file path=ppt/slideLayouts/slideLayout1.xml><?xml version="1.0" encoding="utf-8"?>
@@ -1203,7 +1710,7 @@
           <a:p>
             <a:fld id="{27B8273F-2766-4200-80E4-DA0439332E4F}" type="datetimeFigureOut">
               <a:rPr lang="en-US" smtClean="0"/>
-              <a:t>9/2/2019</a:t>
+              <a:t>10/7/2019</a:t>
             </a:fld>
             <a:endParaRPr lang="en-US"/>
           </a:p>
@@ -1454,7 +1961,7 @@
           <a:p>
             <a:fld id="{27B8273F-2766-4200-80E4-DA0439332E4F}" type="datetimeFigureOut">
               <a:rPr lang="en-US" smtClean="0"/>
-              <a:t>9/2/2019</a:t>
+              <a:t>10/7/2019</a:t>
             </a:fld>
             <a:endParaRPr lang="en-US"/>
           </a:p>
@@ -1768,7 +2275,7 @@
           <a:p>
             <a:fld id="{27B8273F-2766-4200-80E4-DA0439332E4F}" type="datetimeFigureOut">
               <a:rPr lang="en-US" smtClean="0"/>
-              <a:t>9/2/2019</a:t>
+              <a:t>10/7/2019</a:t>
             </a:fld>
             <a:endParaRPr lang="en-US"/>
           </a:p>
@@ -2109,7 +2616,7 @@
           <a:p>
             <a:fld id="{27B8273F-2766-4200-80E4-DA0439332E4F}" type="datetimeFigureOut">
               <a:rPr lang="en-US" smtClean="0"/>
-              <a:t>9/2/2019</a:t>
+              <a:t>10/7/2019</a:t>
             </a:fld>
             <a:endParaRPr lang="en-US"/>
           </a:p>
@@ -2423,7 +2930,7 @@
           <a:p>
             <a:fld id="{27B8273F-2766-4200-80E4-DA0439332E4F}" type="datetimeFigureOut">
               <a:rPr lang="en-US" smtClean="0"/>
-              <a:t>9/2/2019</a:t>
+              <a:t>10/7/2019</a:t>
             </a:fld>
             <a:endParaRPr lang="en-US"/>
           </a:p>
@@ -2816,7 +3323,7 @@
           <a:p>
             <a:fld id="{27B8273F-2766-4200-80E4-DA0439332E4F}" type="datetimeFigureOut">
               <a:rPr lang="en-US" smtClean="0"/>
-              <a:t>9/2/2019</a:t>
+              <a:t>10/7/2019</a:t>
             </a:fld>
             <a:endParaRPr lang="en-US"/>
           </a:p>
@@ -2986,7 +3493,7 @@
           <a:p>
             <a:fld id="{27B8273F-2766-4200-80E4-DA0439332E4F}" type="datetimeFigureOut">
               <a:rPr lang="en-US" smtClean="0"/>
-              <a:t>9/2/2019</a:t>
+              <a:t>10/7/2019</a:t>
             </a:fld>
             <a:endParaRPr lang="en-US"/>
           </a:p>
@@ -3166,7 +3673,7 @@
           <a:p>
             <a:fld id="{27B8273F-2766-4200-80E4-DA0439332E4F}" type="datetimeFigureOut">
               <a:rPr lang="en-US" smtClean="0"/>
-              <a:t>9/2/2019</a:t>
+              <a:t>10/7/2019</a:t>
             </a:fld>
             <a:endParaRPr lang="en-US"/>
           </a:p>
@@ -3439,6 +3946,192 @@
 </p:sldLayout>
 </file>
 
+<file path=ppt/slideLayouts/slideLayout18.xml><?xml version="1.0" encoding="utf-8"?>
+<p:sldLayout xmlns:a="http://schemas.openxmlformats.org/drawingml/2006/main" xmlns:r="http://schemas.openxmlformats.org/officeDocument/2006/relationships" xmlns:p="http://schemas.openxmlformats.org/presentationml/2006/main" type="obj">
+  <p:cSld name="1_Title and Content">
+    <p:spTree>
+      <p:nvGrpSpPr>
+        <p:cNvPr id="1" name=""/>
+        <p:cNvGrpSpPr/>
+        <p:nvPr/>
+      </p:nvGrpSpPr>
+      <p:grpSpPr>
+        <a:xfrm>
+          <a:off x="0" y="0"/>
+          <a:ext cx="0" cy="0"/>
+          <a:chOff x="0" y="0"/>
+          <a:chExt cx="0" cy="0"/>
+        </a:xfrm>
+      </p:grpSpPr>
+      <p:sp>
+        <p:nvSpPr>
+          <p:cNvPr id="8" name="Content Placeholder 7"/>
+          <p:cNvSpPr>
+            <a:spLocks noGrp="1"/>
+          </p:cNvSpPr>
+          <p:nvPr>
+            <p:ph sz="quarter" idx="13"/>
+          </p:nvPr>
+        </p:nvSpPr>
+        <p:spPr>
+          <a:xfrm>
+            <a:off x="304800" y="1219200"/>
+            <a:ext cx="10769600" cy="4800600"/>
+          </a:xfrm>
+          <a:prstGeom prst="rect">
+            <a:avLst/>
+          </a:prstGeom>
+        </p:spPr>
+        <p:txBody>
+          <a:bodyPr/>
+          <a:lstStyle/>
+          <a:p>
+            <a:pPr lvl="0"/>
+            <a:r>
+              <a:rPr lang="en-US"/>
+              <a:t>Click to edit Master text styles</a:t>
+            </a:r>
+          </a:p>
+          <a:p>
+            <a:pPr lvl="1"/>
+            <a:r>
+              <a:rPr lang="en-US"/>
+              <a:t>Second level</a:t>
+            </a:r>
+          </a:p>
+          <a:p>
+            <a:pPr lvl="2"/>
+            <a:r>
+              <a:rPr lang="en-US"/>
+              <a:t>Third level</a:t>
+            </a:r>
+          </a:p>
+          <a:p>
+            <a:pPr lvl="3"/>
+            <a:r>
+              <a:rPr lang="en-US"/>
+              <a:t>Fourth level</a:t>
+            </a:r>
+          </a:p>
+          <a:p>
+            <a:pPr lvl="4"/>
+            <a:r>
+              <a:rPr lang="en-US"/>
+              <a:t>Fifth level</a:t>
+            </a:r>
+            <a:endParaRPr lang="en-US" dirty="0"/>
+          </a:p>
+        </p:txBody>
+      </p:sp>
+      <p:sp>
+        <p:nvSpPr>
+          <p:cNvPr id="10" name="Slide Number Placeholder 9"/>
+          <p:cNvSpPr>
+            <a:spLocks noGrp="1"/>
+          </p:cNvSpPr>
+          <p:nvPr>
+            <p:ph type="sldNum" sz="quarter" idx="15"/>
+          </p:nvPr>
+        </p:nvSpPr>
+        <p:spPr>
+          <a:xfrm>
+            <a:off x="10464800" y="6153002"/>
+            <a:ext cx="711200" cy="247799"/>
+          </a:xfrm>
+          <a:prstGeom prst="rect">
+            <a:avLst/>
+          </a:prstGeom>
+        </p:spPr>
+        <p:txBody>
+          <a:bodyPr/>
+          <a:lstStyle>
+            <a:lvl1pPr algn="ctr">
+              <a:defRPr sz="1400">
+                <a:latin typeface="Arial" pitchFamily="34" charset="0"/>
+                <a:cs typeface="Arial" pitchFamily="34" charset="0"/>
+              </a:defRPr>
+            </a:lvl1pPr>
+          </a:lstStyle>
+          <a:p>
+            <a:fld id="{5C0B3C05-BA45-4000-924A-C70B2ABC0F22}" type="slidenum">
+              <a:rPr lang="en-US" smtClean="0"/>
+              <a:t>‹#›</a:t>
+            </a:fld>
+            <a:endParaRPr lang="en-US"/>
+          </a:p>
+        </p:txBody>
+      </p:sp>
+      <p:sp>
+        <p:nvSpPr>
+          <p:cNvPr id="11" name="Footer Placeholder 10"/>
+          <p:cNvSpPr>
+            <a:spLocks noGrp="1"/>
+          </p:cNvSpPr>
+          <p:nvPr>
+            <p:ph type="ftr" sz="quarter" idx="16"/>
+          </p:nvPr>
+        </p:nvSpPr>
+        <p:spPr>
+          <a:xfrm>
+            <a:off x="6908800" y="6519116"/>
+            <a:ext cx="4064000" cy="338884"/>
+          </a:xfrm>
+          <a:prstGeom prst="rect">
+            <a:avLst/>
+          </a:prstGeom>
+        </p:spPr>
+        <p:txBody>
+          <a:bodyPr/>
+          <a:lstStyle/>
+          <a:p>
+            <a:endParaRPr lang="en-US"/>
+          </a:p>
+        </p:txBody>
+      </p:sp>
+      <p:sp>
+        <p:nvSpPr>
+          <p:cNvPr id="12" name="Title 11"/>
+          <p:cNvSpPr>
+            <a:spLocks noGrp="1"/>
+          </p:cNvSpPr>
+          <p:nvPr>
+            <p:ph type="title"/>
+          </p:nvPr>
+        </p:nvSpPr>
+        <p:spPr>
+          <a:xfrm>
+            <a:off x="304800" y="228600"/>
+            <a:ext cx="10769600" cy="914400"/>
+          </a:xfrm>
+          <a:prstGeom prst="rect">
+            <a:avLst/>
+          </a:prstGeom>
+        </p:spPr>
+        <p:txBody>
+          <a:bodyPr/>
+          <a:lstStyle/>
+          <a:p>
+            <a:r>
+              <a:rPr lang="en-US"/>
+              <a:t>Click to edit Master title style</a:t>
+            </a:r>
+            <a:endParaRPr lang="en-US" dirty="0"/>
+          </a:p>
+        </p:txBody>
+      </p:sp>
+    </p:spTree>
+    <p:extLst>
+      <p:ext uri="{BB962C8B-B14F-4D97-AF65-F5344CB8AC3E}">
+        <p14:creationId xmlns:p14="http://schemas.microsoft.com/office/powerpoint/2010/main" val="2864769493"/>
+      </p:ext>
+    </p:extLst>
+  </p:cSld>
+  <p:clrMapOvr>
+    <a:masterClrMapping/>
+  </p:clrMapOvr>
+</p:sldLayout>
+</file>
+
 <file path=ppt/slideLayouts/slideLayout2.xml><?xml version="1.0" encoding="utf-8"?>
 <p:sldLayout xmlns:a="http://schemas.openxmlformats.org/drawingml/2006/main" xmlns:r="http://schemas.openxmlformats.org/officeDocument/2006/relationships" xmlns:p="http://schemas.openxmlformats.org/presentationml/2006/main" type="obj" preserve="1">
   <p:cSld name="Title and Content">
@@ -3554,7 +4247,7 @@
           <a:p>
             <a:fld id="{27B8273F-2766-4200-80E4-DA0439332E4F}" type="datetimeFigureOut">
               <a:rPr lang="en-US" smtClean="0"/>
-              <a:t>9/2/2019</a:t>
+              <a:t>10/7/2019</a:t>
             </a:fld>
             <a:endParaRPr lang="en-US"/>
           </a:p>
@@ -3801,7 +4494,7 @@
           <a:p>
             <a:fld id="{27B8273F-2766-4200-80E4-DA0439332E4F}" type="datetimeFigureOut">
               <a:rPr lang="en-US" smtClean="0"/>
-              <a:t>9/2/2019</a:t>
+              <a:t>10/7/2019</a:t>
             </a:fld>
             <a:endParaRPr lang="en-US"/>
           </a:p>
@@ -4033,7 +4726,7 @@
           <a:p>
             <a:fld id="{27B8273F-2766-4200-80E4-DA0439332E4F}" type="datetimeFigureOut">
               <a:rPr lang="en-US" smtClean="0"/>
-              <a:t>9/2/2019</a:t>
+              <a:t>10/7/2019</a:t>
             </a:fld>
             <a:endParaRPr lang="en-US"/>
           </a:p>
@@ -4407,7 +5100,7 @@
           <a:p>
             <a:fld id="{27B8273F-2766-4200-80E4-DA0439332E4F}" type="datetimeFigureOut">
               <a:rPr lang="en-US" smtClean="0"/>
-              <a:t>9/2/2019</a:t>
+              <a:t>10/7/2019</a:t>
             </a:fld>
             <a:endParaRPr lang="en-US"/>
           </a:p>
@@ -4530,7 +5223,7 @@
           <a:p>
             <a:fld id="{27B8273F-2766-4200-80E4-DA0439332E4F}" type="datetimeFigureOut">
               <a:rPr lang="en-US" smtClean="0"/>
-              <a:t>9/2/2019</a:t>
+              <a:t>10/7/2019</a:t>
             </a:fld>
             <a:endParaRPr lang="en-US"/>
           </a:p>
@@ -4625,7 +5318,7 @@
           <a:p>
             <a:fld id="{27B8273F-2766-4200-80E4-DA0439332E4F}" type="datetimeFigureOut">
               <a:rPr lang="en-US" smtClean="0"/>
-              <a:t>9/2/2019</a:t>
+              <a:t>10/7/2019</a:t>
             </a:fld>
             <a:endParaRPr lang="en-US"/>
           </a:p>
@@ -4880,7 +5573,7 @@
           <a:p>
             <a:fld id="{27B8273F-2766-4200-80E4-DA0439332E4F}" type="datetimeFigureOut">
               <a:rPr lang="en-US" smtClean="0"/>
-              <a:t>9/2/2019</a:t>
+              <a:t>10/7/2019</a:t>
             </a:fld>
             <a:endParaRPr lang="en-US"/>
           </a:p>
@@ -5143,7 +5836,7 @@
           <a:p>
             <a:fld id="{27B8273F-2766-4200-80E4-DA0439332E4F}" type="datetimeFigureOut">
               <a:rPr lang="en-US" smtClean="0"/>
-              <a:t>9/2/2019</a:t>
+              <a:t>10/7/2019</a:t>
             </a:fld>
             <a:endParaRPr lang="en-US"/>
           </a:p>
@@ -5886,7 +6579,7 @@
           <a:p>
             <a:fld id="{27B8273F-2766-4200-80E4-DA0439332E4F}" type="datetimeFigureOut">
               <a:rPr lang="en-US" smtClean="0"/>
-              <a:t>9/2/2019</a:t>
+              <a:t>10/7/2019</a:t>
             </a:fld>
             <a:endParaRPr lang="en-US"/>
           </a:p>
@@ -5994,6 +6687,7 @@
     <p:sldLayoutId id="2147483675" r:id="rId15"/>
     <p:sldLayoutId id="2147483676" r:id="rId16"/>
     <p:sldLayoutId id="2147483677" r:id="rId17"/>
+    <p:sldLayoutId id="2147483678" r:id="rId18"/>
   </p:sldLayoutIdLst>
   <p:txStyles>
     <p:titleStyle>
@@ -6522,6 +7216,136 @@
       </p:grpSpPr>
       <p:sp>
         <p:nvSpPr>
+          <p:cNvPr id="4" name="Title 2">
+            <a:extLst>
+              <a:ext uri="{FF2B5EF4-FFF2-40B4-BE49-F238E27FC236}">
+                <a16:creationId xmlns:a16="http://schemas.microsoft.com/office/drawing/2014/main" id="{FE3AC979-55DE-4C18-9AC9-951092525593}"/>
+              </a:ext>
+            </a:extLst>
+          </p:cNvPr>
+          <p:cNvSpPr>
+            <a:spLocks noGrp="1"/>
+          </p:cNvSpPr>
+          <p:nvPr>
+            <p:ph type="title"/>
+          </p:nvPr>
+        </p:nvSpPr>
+        <p:spPr>
+          <a:xfrm>
+            <a:off x="304800" y="228600"/>
+            <a:ext cx="10769600" cy="543739"/>
+          </a:xfrm>
+        </p:spPr>
+        <p:txBody>
+          <a:bodyPr>
+            <a:normAutofit/>
+          </a:bodyPr>
+          <a:lstStyle/>
+          <a:p>
+            <a:r>
+              <a:rPr lang="en-US" sz="2400" dirty="0">
+                <a:solidFill>
+                  <a:schemeClr val="tx1">
+                    <a:lumMod val="75000"/>
+                    <a:lumOff val="25000"/>
+                  </a:schemeClr>
+                </a:solidFill>
+                <a:latin typeface="Arial Black"/>
+              </a:rPr>
+              <a:t>Agenda</a:t>
+            </a:r>
+          </a:p>
+        </p:txBody>
+      </p:sp>
+      <p:sp>
+        <p:nvSpPr>
+          <p:cNvPr id="32" name="Content Placeholder 1">
+            <a:extLst>
+              <a:ext uri="{FF2B5EF4-FFF2-40B4-BE49-F238E27FC236}">
+                <a16:creationId xmlns:a16="http://schemas.microsoft.com/office/drawing/2014/main" id="{4D2D2AF7-1CE5-45A9-92E1-B45283D2468D}"/>
+              </a:ext>
+            </a:extLst>
+          </p:cNvPr>
+          <p:cNvSpPr>
+            <a:spLocks noGrp="1"/>
+          </p:cNvSpPr>
+          <p:nvPr>
+            <p:ph idx="1"/>
+          </p:nvPr>
+        </p:nvSpPr>
+        <p:spPr>
+          <a:xfrm>
+            <a:off x="304800" y="1029669"/>
+            <a:ext cx="3622753" cy="3922867"/>
+          </a:xfrm>
+        </p:spPr>
+        <p:txBody>
+          <a:bodyPr/>
+          <a:lstStyle/>
+          <a:p>
+            <a:r>
+              <a:rPr lang="en-US" dirty="0"/>
+              <a:t>Resource Scaling</a:t>
+            </a:r>
+          </a:p>
+          <a:p>
+            <a:r>
+              <a:rPr lang="en-US" dirty="0"/>
+              <a:t>ELB and subtypes</a:t>
+            </a:r>
+          </a:p>
+          <a:p>
+            <a:r>
+              <a:rPr lang="en-US" dirty="0"/>
+              <a:t>Auto-Scaling Group</a:t>
+            </a:r>
+          </a:p>
+          <a:p>
+            <a:r>
+              <a:rPr lang="en-US" dirty="0"/>
+              <a:t>Monitoring and Alarms</a:t>
+            </a:r>
+          </a:p>
+          <a:p>
+            <a:pPr marL="0" indent="0">
+              <a:buNone/>
+            </a:pPr>
+            <a:endParaRPr lang="en-US" dirty="0"/>
+          </a:p>
+        </p:txBody>
+      </p:sp>
+    </p:spTree>
+    <p:extLst>
+      <p:ext uri="{BB962C8B-B14F-4D97-AF65-F5344CB8AC3E}">
+        <p14:creationId xmlns:p14="http://schemas.microsoft.com/office/powerpoint/2010/main" val="3635561043"/>
+      </p:ext>
+    </p:extLst>
+  </p:cSld>
+  <p:clrMapOvr>
+    <a:masterClrMapping/>
+  </p:clrMapOvr>
+</p:sld>
+</file>
+
+<file path=ppt/slides/slide3.xml><?xml version="1.0" encoding="utf-8"?>
+<p:sld xmlns:a="http://schemas.openxmlformats.org/drawingml/2006/main" xmlns:r="http://schemas.openxmlformats.org/officeDocument/2006/relationships" xmlns:p="http://schemas.openxmlformats.org/presentationml/2006/main">
+  <p:cSld>
+    <p:spTree>
+      <p:nvGrpSpPr>
+        <p:cNvPr id="1" name=""/>
+        <p:cNvGrpSpPr/>
+        <p:nvPr/>
+      </p:nvGrpSpPr>
+      <p:grpSpPr>
+        <a:xfrm>
+          <a:off x="0" y="0"/>
+          <a:ext cx="0" cy="0"/>
+          <a:chOff x="0" y="0"/>
+          <a:chExt cx="0" cy="0"/>
+        </a:xfrm>
+      </p:grpSpPr>
+      <p:sp>
+        <p:nvSpPr>
           <p:cNvPr id="3" name="Text Placeholder 2"/>
           <p:cNvSpPr>
             <a:spLocks noGrp="1"/>
@@ -6569,14 +7393,36 @@
           <a:bodyPr/>
           <a:lstStyle/>
           <a:p>
-            <a:r>
-              <a:rPr lang="en-US" dirty="0"/>
+            <a:pPr>
+              <a:buFont typeface="Wingdings" panose="05000000000000000000" pitchFamily="2" charset="2"/>
+              <a:buChar char="Ø"/>
+            </a:pPr>
+            <a:r>
+              <a:rPr lang="en-US" sz="1800" dirty="0">
+                <a:solidFill>
+                  <a:schemeClr val="tx1">
+                    <a:lumMod val="75000"/>
+                    <a:lumOff val="25000"/>
+                  </a:schemeClr>
+                </a:solidFill>
+              </a:rPr>
               <a:t>AWS EC2 Auto Scaling</a:t>
             </a:r>
           </a:p>
           <a:p>
-            <a:r>
-              <a:rPr lang="en-US" dirty="0"/>
+            <a:pPr>
+              <a:buFont typeface="Wingdings" panose="05000000000000000000" pitchFamily="2" charset="2"/>
+              <a:buChar char="Ø"/>
+            </a:pPr>
+            <a:r>
+              <a:rPr lang="en-US" sz="1800" dirty="0">
+                <a:solidFill>
+                  <a:schemeClr val="tx1">
+                    <a:lumMod val="75000"/>
+                    <a:lumOff val="25000"/>
+                  </a:schemeClr>
+                </a:solidFill>
+              </a:rPr>
               <a:t>AWS Resources Auto Scaling</a:t>
             </a:r>
           </a:p>
@@ -6630,173 +7476,6 @@
 </p:sld>
 </file>
 
-<file path=ppt/slides/slide3.xml><?xml version="1.0" encoding="utf-8"?>
-<p:sld xmlns:a="http://schemas.openxmlformats.org/drawingml/2006/main" xmlns:r="http://schemas.openxmlformats.org/officeDocument/2006/relationships" xmlns:p="http://schemas.openxmlformats.org/presentationml/2006/main">
-  <p:cSld>
-    <p:spTree>
-      <p:nvGrpSpPr>
-        <p:cNvPr id="1" name=""/>
-        <p:cNvGrpSpPr/>
-        <p:nvPr/>
-      </p:nvGrpSpPr>
-      <p:grpSpPr>
-        <a:xfrm>
-          <a:off x="0" y="0"/>
-          <a:ext cx="0" cy="0"/>
-          <a:chOff x="0" y="0"/>
-          <a:chExt cx="0" cy="0"/>
-        </a:xfrm>
-      </p:grpSpPr>
-      <p:sp>
-        <p:nvSpPr>
-          <p:cNvPr id="3" name="Text Placeholder 2"/>
-          <p:cNvSpPr>
-            <a:spLocks noGrp="1"/>
-          </p:cNvSpPr>
-          <p:nvPr>
-            <p:ph type="body" sz="quarter" idx="10"/>
-          </p:nvPr>
-        </p:nvSpPr>
-        <p:spPr/>
-        <p:txBody>
-          <a:bodyPr/>
-          <a:lstStyle/>
-          <a:p>
-            <a:r>
-              <a:rPr lang="en-US" sz="2800" dirty="0"/>
-              <a:t>ELB</a:t>
-            </a:r>
-            <a:endParaRPr lang="en-US" dirty="0"/>
-          </a:p>
-        </p:txBody>
-      </p:sp>
-      <p:sp>
-        <p:nvSpPr>
-          <p:cNvPr id="8" name="Content Placeholder 1">
-            <a:extLst>
-              <a:ext uri="{FF2B5EF4-FFF2-40B4-BE49-F238E27FC236}">
-                <a16:creationId xmlns:a16="http://schemas.microsoft.com/office/drawing/2014/main" id="{407B2657-A895-47FE-AA32-9AB13DE23A35}"/>
-              </a:ext>
-            </a:extLst>
-          </p:cNvPr>
-          <p:cNvSpPr>
-            <a:spLocks noGrp="1"/>
-          </p:cNvSpPr>
-          <p:nvPr>
-            <p:ph idx="1"/>
-          </p:nvPr>
-        </p:nvSpPr>
-        <p:spPr>
-          <a:xfrm>
-            <a:off x="304800" y="1670530"/>
-            <a:ext cx="3923323" cy="4958870"/>
-          </a:xfrm>
-        </p:spPr>
-        <p:txBody>
-          <a:bodyPr/>
-          <a:lstStyle/>
-          <a:p>
-            <a:r>
-              <a:rPr lang="en-US" dirty="0"/>
-              <a:t>Auto scaled</a:t>
-            </a:r>
-          </a:p>
-          <a:p>
-            <a:r>
-              <a:rPr lang="en-US" dirty="0"/>
-              <a:t>Multi Zone</a:t>
-            </a:r>
-          </a:p>
-          <a:p>
-            <a:r>
-              <a:rPr lang="en-US" dirty="0"/>
-              <a:t>External/Internal</a:t>
-            </a:r>
-          </a:p>
-          <a:p>
-            <a:r>
-              <a:rPr lang="en-US" dirty="0"/>
-              <a:t>Pre warm</a:t>
-            </a:r>
-          </a:p>
-          <a:p>
-            <a:r>
-              <a:rPr lang="en-US" dirty="0"/>
-              <a:t>Session affinity</a:t>
-            </a:r>
-          </a:p>
-          <a:p>
-            <a:r>
-              <a:rPr lang="en-US" dirty="0"/>
-              <a:t>Sticky session</a:t>
-            </a:r>
-          </a:p>
-          <a:p>
-            <a:r>
-              <a:rPr lang="en-US" dirty="0"/>
-              <a:t>Health checks and Monitoring</a:t>
-            </a:r>
-          </a:p>
-          <a:p>
-            <a:r>
-              <a:rPr lang="en-US"/>
-              <a:t>HTTPS protocol + ELB</a:t>
-            </a:r>
-            <a:endParaRPr lang="en-US" dirty="0"/>
-          </a:p>
-          <a:p>
-            <a:endParaRPr lang="en-US" dirty="0"/>
-          </a:p>
-          <a:p>
-            <a:endParaRPr lang="en-US" dirty="0"/>
-          </a:p>
-          <a:p>
-            <a:endParaRPr lang="en-US" dirty="0"/>
-          </a:p>
-        </p:txBody>
-      </p:sp>
-      <p:pic>
-        <p:nvPicPr>
-          <p:cNvPr id="9" name="Picture 8">
-            <a:extLst>
-              <a:ext uri="{FF2B5EF4-FFF2-40B4-BE49-F238E27FC236}">
-                <a16:creationId xmlns:a16="http://schemas.microsoft.com/office/drawing/2014/main" id="{67B9713B-E7E7-4994-BE6A-2ED7B1CB7A3F}"/>
-              </a:ext>
-            </a:extLst>
-          </p:cNvPr>
-          <p:cNvPicPr>
-            <a:picLocks noChangeAspect="1"/>
-          </p:cNvPicPr>
-          <p:nvPr/>
-        </p:nvPicPr>
-        <p:blipFill rotWithShape="1">
-          <a:blip r:embed="rId2"/>
-          <a:srcRect l="2532"/>
-          <a:stretch/>
-        </p:blipFill>
-        <p:spPr>
-          <a:xfrm>
-            <a:off x="4086627" y="1358900"/>
-            <a:ext cx="5421719" cy="4140200"/>
-          </a:xfrm>
-          <a:prstGeom prst="rect">
-            <a:avLst/>
-          </a:prstGeom>
-        </p:spPr>
-      </p:pic>
-    </p:spTree>
-    <p:extLst>
-      <p:ext uri="{BB962C8B-B14F-4D97-AF65-F5344CB8AC3E}">
-        <p14:creationId xmlns:p14="http://schemas.microsoft.com/office/powerpoint/2010/main" val="4065116746"/>
-      </p:ext>
-    </p:extLst>
-  </p:cSld>
-  <p:clrMapOvr>
-    <a:masterClrMapping/>
-  </p:clrMapOvr>
-</p:sld>
-</file>
-
 <file path=ppt/slides/slide4.xml><?xml version="1.0" encoding="utf-8"?>
 <p:sld xmlns:a="http://schemas.openxmlformats.org/drawingml/2006/main" xmlns:r="http://schemas.openxmlformats.org/officeDocument/2006/relationships" xmlns:p="http://schemas.openxmlformats.org/presentationml/2006/main">
   <p:cSld>
@@ -6816,6 +7495,393 @@
       </p:grpSpPr>
       <p:sp>
         <p:nvSpPr>
+          <p:cNvPr id="3" name="Text Placeholder 2"/>
+          <p:cNvSpPr>
+            <a:spLocks noGrp="1"/>
+          </p:cNvSpPr>
+          <p:nvPr>
+            <p:ph type="body" sz="quarter" idx="10"/>
+          </p:nvPr>
+        </p:nvSpPr>
+        <p:spPr/>
+        <p:txBody>
+          <a:bodyPr/>
+          <a:lstStyle/>
+          <a:p>
+            <a:r>
+              <a:rPr lang="en-US" sz="2800" dirty="0"/>
+              <a:t>ELB</a:t>
+            </a:r>
+            <a:endParaRPr lang="en-US" dirty="0"/>
+          </a:p>
+        </p:txBody>
+      </p:sp>
+      <p:sp>
+        <p:nvSpPr>
+          <p:cNvPr id="8" name="Content Placeholder 1">
+            <a:extLst>
+              <a:ext uri="{FF2B5EF4-FFF2-40B4-BE49-F238E27FC236}">
+                <a16:creationId xmlns:a16="http://schemas.microsoft.com/office/drawing/2014/main" id="{407B2657-A895-47FE-AA32-9AB13DE23A35}"/>
+              </a:ext>
+            </a:extLst>
+          </p:cNvPr>
+          <p:cNvSpPr>
+            <a:spLocks noGrp="1"/>
+          </p:cNvSpPr>
+          <p:nvPr>
+            <p:ph idx="1"/>
+          </p:nvPr>
+        </p:nvSpPr>
+        <p:spPr>
+          <a:xfrm>
+            <a:off x="321276" y="1373972"/>
+            <a:ext cx="3923323" cy="4958870"/>
+          </a:xfrm>
+        </p:spPr>
+        <p:txBody>
+          <a:bodyPr/>
+          <a:lstStyle/>
+          <a:p>
+            <a:pPr marL="342900" indent="-342900" defTabSz="457200">
+              <a:spcBef>
+                <a:spcPts val="1000"/>
+              </a:spcBef>
+              <a:spcAft>
+                <a:spcPts val="0"/>
+              </a:spcAft>
+              <a:buClr>
+                <a:schemeClr val="accent1"/>
+              </a:buClr>
+              <a:buSzPct val="80000"/>
+              <a:buFont typeface="Wingdings 3" charset="2"/>
+              <a:buChar char=""/>
+            </a:pPr>
+            <a:r>
+              <a:rPr lang="en-US" sz="1800" dirty="0">
+                <a:solidFill>
+                  <a:schemeClr val="tx1">
+                    <a:lumMod val="75000"/>
+                    <a:lumOff val="25000"/>
+                  </a:schemeClr>
+                </a:solidFill>
+              </a:rPr>
+              <a:t>Auto scaled</a:t>
+            </a:r>
+          </a:p>
+          <a:p>
+            <a:pPr marL="342900" indent="-342900" defTabSz="457200">
+              <a:spcBef>
+                <a:spcPts val="1000"/>
+              </a:spcBef>
+              <a:spcAft>
+                <a:spcPts val="0"/>
+              </a:spcAft>
+              <a:buClr>
+                <a:schemeClr val="accent1"/>
+              </a:buClr>
+              <a:buSzPct val="80000"/>
+              <a:buFont typeface="Wingdings 3" charset="2"/>
+              <a:buChar char=""/>
+            </a:pPr>
+            <a:r>
+              <a:rPr lang="en-US" sz="1800" dirty="0">
+                <a:solidFill>
+                  <a:schemeClr val="tx1">
+                    <a:lumMod val="75000"/>
+                    <a:lumOff val="25000"/>
+                  </a:schemeClr>
+                </a:solidFill>
+              </a:rPr>
+              <a:t>Multi Zone</a:t>
+            </a:r>
+          </a:p>
+          <a:p>
+            <a:pPr marL="342900" indent="-342900" defTabSz="457200">
+              <a:spcBef>
+                <a:spcPts val="1000"/>
+              </a:spcBef>
+              <a:spcAft>
+                <a:spcPts val="0"/>
+              </a:spcAft>
+              <a:buClr>
+                <a:schemeClr val="accent1"/>
+              </a:buClr>
+              <a:buSzPct val="80000"/>
+              <a:buFont typeface="Wingdings 3" charset="2"/>
+              <a:buChar char=""/>
+            </a:pPr>
+            <a:r>
+              <a:rPr lang="en-US" sz="1800" dirty="0">
+                <a:solidFill>
+                  <a:schemeClr val="tx1">
+                    <a:lumMod val="75000"/>
+                    <a:lumOff val="25000"/>
+                  </a:schemeClr>
+                </a:solidFill>
+              </a:rPr>
+              <a:t>External/Internal</a:t>
+            </a:r>
+          </a:p>
+          <a:p>
+            <a:pPr marL="342900" indent="-342900" defTabSz="457200">
+              <a:spcBef>
+                <a:spcPts val="1000"/>
+              </a:spcBef>
+              <a:spcAft>
+                <a:spcPts val="0"/>
+              </a:spcAft>
+              <a:buClr>
+                <a:schemeClr val="accent1"/>
+              </a:buClr>
+              <a:buSzPct val="80000"/>
+              <a:buFont typeface="Wingdings 3" charset="2"/>
+              <a:buChar char=""/>
+            </a:pPr>
+            <a:r>
+              <a:rPr lang="en-US" sz="1800" dirty="0">
+                <a:solidFill>
+                  <a:schemeClr val="tx1">
+                    <a:lumMod val="75000"/>
+                    <a:lumOff val="25000"/>
+                  </a:schemeClr>
+                </a:solidFill>
+              </a:rPr>
+              <a:t>Sticky session</a:t>
+            </a:r>
+          </a:p>
+          <a:p>
+            <a:pPr marL="342900" indent="-342900" defTabSz="457200">
+              <a:spcBef>
+                <a:spcPts val="1000"/>
+              </a:spcBef>
+              <a:spcAft>
+                <a:spcPts val="0"/>
+              </a:spcAft>
+              <a:buClr>
+                <a:schemeClr val="accent1"/>
+              </a:buClr>
+              <a:buSzPct val="80000"/>
+              <a:buFont typeface="Wingdings 3" charset="2"/>
+              <a:buChar char=""/>
+            </a:pPr>
+            <a:r>
+              <a:rPr lang="en-US" sz="1800" dirty="0">
+                <a:solidFill>
+                  <a:schemeClr val="tx1">
+                    <a:lumMod val="75000"/>
+                    <a:lumOff val="25000"/>
+                  </a:schemeClr>
+                </a:solidFill>
+              </a:rPr>
+              <a:t>Health checks and Monitoring</a:t>
+            </a:r>
+          </a:p>
+          <a:p>
+            <a:pPr marL="342900" indent="-342900" defTabSz="457200">
+              <a:spcBef>
+                <a:spcPts val="1000"/>
+              </a:spcBef>
+              <a:spcAft>
+                <a:spcPts val="0"/>
+              </a:spcAft>
+              <a:buClr>
+                <a:schemeClr val="accent1"/>
+              </a:buClr>
+              <a:buSzPct val="80000"/>
+              <a:buFont typeface="Wingdings 3" charset="2"/>
+              <a:buChar char=""/>
+            </a:pPr>
+            <a:r>
+              <a:rPr lang="en-US" sz="1800" dirty="0">
+                <a:solidFill>
+                  <a:schemeClr val="tx1">
+                    <a:lumMod val="75000"/>
+                    <a:lumOff val="25000"/>
+                  </a:schemeClr>
+                </a:solidFill>
+              </a:rPr>
+              <a:t>HTTPS protocol + ELB</a:t>
+            </a:r>
+          </a:p>
+          <a:p>
+            <a:endParaRPr lang="en-US" dirty="0"/>
+          </a:p>
+          <a:p>
+            <a:endParaRPr lang="en-US" dirty="0"/>
+          </a:p>
+          <a:p>
+            <a:endParaRPr lang="en-US" dirty="0"/>
+          </a:p>
+        </p:txBody>
+      </p:sp>
+      <p:pic>
+        <p:nvPicPr>
+          <p:cNvPr id="9" name="Picture 8">
+            <a:extLst>
+              <a:ext uri="{FF2B5EF4-FFF2-40B4-BE49-F238E27FC236}">
+                <a16:creationId xmlns:a16="http://schemas.microsoft.com/office/drawing/2014/main" id="{67B9713B-E7E7-4994-BE6A-2ED7B1CB7A3F}"/>
+              </a:ext>
+            </a:extLst>
+          </p:cNvPr>
+          <p:cNvPicPr>
+            <a:picLocks noChangeAspect="1"/>
+          </p:cNvPicPr>
+          <p:nvPr/>
+        </p:nvPicPr>
+        <p:blipFill rotWithShape="1">
+          <a:blip r:embed="rId3"/>
+          <a:srcRect l="2532"/>
+          <a:stretch/>
+        </p:blipFill>
+        <p:spPr>
+          <a:xfrm>
+            <a:off x="4244599" y="1031401"/>
+            <a:ext cx="5421719" cy="4140200"/>
+          </a:xfrm>
+          <a:prstGeom prst="rect">
+            <a:avLst/>
+          </a:prstGeom>
+        </p:spPr>
+      </p:pic>
+      <p:pic>
+        <p:nvPicPr>
+          <p:cNvPr id="5" name="Picture 4">
+            <a:extLst>
+              <a:ext uri="{FF2B5EF4-FFF2-40B4-BE49-F238E27FC236}">
+                <a16:creationId xmlns:a16="http://schemas.microsoft.com/office/drawing/2014/main" id="{701EC50B-AE07-475D-804E-D03DE90318E8}"/>
+              </a:ext>
+            </a:extLst>
+          </p:cNvPr>
+          <p:cNvPicPr>
+            <a:picLocks noChangeAspect="1"/>
+          </p:cNvPicPr>
+          <p:nvPr/>
+        </p:nvPicPr>
+        <p:blipFill>
+          <a:blip r:embed="rId4"/>
+          <a:stretch>
+            <a:fillRect/>
+          </a:stretch>
+        </p:blipFill>
+        <p:spPr>
+          <a:xfrm>
+            <a:off x="751059" y="4713536"/>
+            <a:ext cx="2600325" cy="1209675"/>
+          </a:xfrm>
+          <a:prstGeom prst="rect">
+            <a:avLst/>
+          </a:prstGeom>
+        </p:spPr>
+      </p:pic>
+      <p:sp>
+        <p:nvSpPr>
+          <p:cNvPr id="6" name="Left Brace 5">
+            <a:extLst>
+              <a:ext uri="{FF2B5EF4-FFF2-40B4-BE49-F238E27FC236}">
+                <a16:creationId xmlns:a16="http://schemas.microsoft.com/office/drawing/2014/main" id="{B0CE28A8-57D7-427C-8E77-C481817DF081}"/>
+              </a:ext>
+            </a:extLst>
+          </p:cNvPr>
+          <p:cNvSpPr/>
+          <p:nvPr/>
+        </p:nvSpPr>
+        <p:spPr>
+          <a:xfrm>
+            <a:off x="429784" y="4713535"/>
+            <a:ext cx="321275" cy="1209675"/>
+          </a:xfrm>
+          <a:prstGeom prst="leftBrace">
+            <a:avLst/>
+          </a:prstGeom>
+          <a:ln>
+            <a:solidFill>
+              <a:schemeClr val="accent2">
+                <a:lumMod val="60000"/>
+                <a:lumOff val="40000"/>
+              </a:schemeClr>
+            </a:solidFill>
+          </a:ln>
+          <a:effectLst>
+            <a:outerShdw blurRad="50800" dist="38100" dir="13500000" algn="br" rotWithShape="0">
+              <a:prstClr val="black">
+                <a:alpha val="40000"/>
+              </a:prstClr>
+            </a:outerShdw>
+          </a:effectLst>
+        </p:spPr>
+        <p:style>
+          <a:lnRef idx="3">
+            <a:schemeClr val="accent2"/>
+          </a:lnRef>
+          <a:fillRef idx="0">
+            <a:schemeClr val="accent2"/>
+          </a:fillRef>
+          <a:effectRef idx="2">
+            <a:schemeClr val="accent2"/>
+          </a:effectRef>
+          <a:fontRef idx="minor">
+            <a:schemeClr val="tx1"/>
+          </a:fontRef>
+        </p:style>
+        <p:txBody>
+          <a:bodyPr rot="0" spcFirstLastPara="0" vertOverflow="overflow" horzOverflow="overflow" vert="horz" wrap="square" lIns="91440" tIns="45720" rIns="91440" bIns="45720" numCol="1" spcCol="0" rtlCol="0" fromWordArt="0" anchor="ctr" anchorCtr="0" forceAA="0" compatLnSpc="1">
+            <a:prstTxWarp prst="textNoShape">
+              <a:avLst/>
+            </a:prstTxWarp>
+            <a:noAutofit/>
+          </a:bodyPr>
+          <a:lstStyle/>
+          <a:p>
+            <a:pPr algn="ctr"/>
+            <a:endParaRPr lang="en-US" b="1">
+              <a:ln w="22225">
+                <a:solidFill>
+                  <a:schemeClr val="accent2"/>
+                </a:solidFill>
+                <a:prstDash val="solid"/>
+              </a:ln>
+              <a:solidFill>
+                <a:schemeClr val="accent2">
+                  <a:lumMod val="40000"/>
+                  <a:lumOff val="60000"/>
+                </a:schemeClr>
+              </a:solidFill>
+            </a:endParaRPr>
+          </a:p>
+        </p:txBody>
+      </p:sp>
+    </p:spTree>
+    <p:extLst>
+      <p:ext uri="{BB962C8B-B14F-4D97-AF65-F5344CB8AC3E}">
+        <p14:creationId xmlns:p14="http://schemas.microsoft.com/office/powerpoint/2010/main" val="4065116746"/>
+      </p:ext>
+    </p:extLst>
+  </p:cSld>
+  <p:clrMapOvr>
+    <a:masterClrMapping/>
+  </p:clrMapOvr>
+</p:sld>
+</file>
+
+<file path=ppt/slides/slide5.xml><?xml version="1.0" encoding="utf-8"?>
+<p:sld xmlns:a="http://schemas.openxmlformats.org/drawingml/2006/main" xmlns:r="http://schemas.openxmlformats.org/officeDocument/2006/relationships" xmlns:p="http://schemas.openxmlformats.org/presentationml/2006/main">
+  <p:cSld>
+    <p:spTree>
+      <p:nvGrpSpPr>
+        <p:cNvPr id="1" name=""/>
+        <p:cNvGrpSpPr/>
+        <p:nvPr/>
+      </p:nvGrpSpPr>
+      <p:grpSpPr>
+        <a:xfrm>
+          <a:off x="0" y="0"/>
+          <a:ext cx="0" cy="0"/>
+          <a:chOff x="0" y="0"/>
+          <a:chExt cx="0" cy="0"/>
+        </a:xfrm>
+      </p:grpSpPr>
+      <p:sp>
+        <p:nvSpPr>
           <p:cNvPr id="2" name="Content Placeholder 1"/>
           <p:cNvSpPr>
             <a:spLocks noGrp="1"/>
@@ -6834,32 +7900,137 @@
           <a:bodyPr/>
           <a:lstStyle/>
           <a:p>
-            <a:r>
-              <a:rPr lang="en-US" dirty="0"/>
+            <a:pPr marL="342900" indent="-342900" defTabSz="457200">
+              <a:spcBef>
+                <a:spcPts val="1000"/>
+              </a:spcBef>
+              <a:spcAft>
+                <a:spcPts val="0"/>
+              </a:spcAft>
+              <a:buClr>
+                <a:schemeClr val="accent1"/>
+              </a:buClr>
+              <a:buSzPct val="80000"/>
+              <a:buFont typeface="Wingdings 3" charset="2"/>
+              <a:buChar char=""/>
+            </a:pPr>
+            <a:r>
+              <a:rPr lang="en-US" sz="1800" dirty="0">
+                <a:solidFill>
+                  <a:schemeClr val="tx1">
+                    <a:lumMod val="75000"/>
+                    <a:lumOff val="25000"/>
+                  </a:schemeClr>
+                </a:solidFill>
+              </a:rPr>
               <a:t>Group of resources (EC2, DB)</a:t>
             </a:r>
           </a:p>
           <a:p>
-            <a:r>
-              <a:rPr lang="en-US" dirty="0"/>
+            <a:pPr marL="342900" indent="-342900" defTabSz="457200">
+              <a:spcBef>
+                <a:spcPts val="1000"/>
+              </a:spcBef>
+              <a:spcAft>
+                <a:spcPts val="0"/>
+              </a:spcAft>
+              <a:buClr>
+                <a:schemeClr val="accent1"/>
+              </a:buClr>
+              <a:buSzPct val="80000"/>
+              <a:buFont typeface="Wingdings 3" charset="2"/>
+              <a:buChar char=""/>
+            </a:pPr>
+            <a:r>
+              <a:rPr lang="en-US" sz="1800" dirty="0">
+                <a:solidFill>
+                  <a:schemeClr val="tx1">
+                    <a:lumMod val="75000"/>
+                    <a:lumOff val="25000"/>
+                  </a:schemeClr>
+                </a:solidFill>
+              </a:rPr>
               <a:t>Logically single resource</a:t>
             </a:r>
           </a:p>
           <a:p>
-            <a:r>
-              <a:rPr lang="en-US" dirty="0"/>
+            <a:pPr marL="342900" indent="-342900" defTabSz="457200">
+              <a:spcBef>
+                <a:spcPts val="1000"/>
+              </a:spcBef>
+              <a:spcAft>
+                <a:spcPts val="0"/>
+              </a:spcAft>
+              <a:buClr>
+                <a:schemeClr val="accent1"/>
+              </a:buClr>
+              <a:buSzPct val="80000"/>
+              <a:buFont typeface="Wingdings 3" charset="2"/>
+              <a:buChar char=""/>
+            </a:pPr>
+            <a:r>
+              <a:rPr lang="en-US" sz="1800" dirty="0">
+                <a:solidFill>
+                  <a:schemeClr val="tx1">
+                    <a:lumMod val="75000"/>
+                    <a:lumOff val="25000"/>
+                  </a:schemeClr>
+                </a:solidFill>
+              </a:rPr>
               <a:t>Amazon EC2 Auto Scaling service</a:t>
             </a:r>
           </a:p>
           <a:p>
-            <a:r>
-              <a:rPr lang="en-US" dirty="0"/>
+            <a:pPr marL="342900" indent="-342900" defTabSz="457200">
+              <a:spcBef>
+                <a:spcPts val="1000"/>
+              </a:spcBef>
+              <a:spcAft>
+                <a:spcPts val="0"/>
+              </a:spcAft>
+              <a:buClr>
+                <a:schemeClr val="accent1"/>
+              </a:buClr>
+              <a:buSzPct val="80000"/>
+              <a:buFont typeface="Wingdings 3" charset="2"/>
+              <a:buChar char=""/>
+            </a:pPr>
+            <a:r>
+              <a:rPr lang="en-US" sz="1800" dirty="0">
+                <a:solidFill>
+                  <a:schemeClr val="tx1">
+                    <a:lumMod val="75000"/>
+                    <a:lumOff val="25000"/>
+                  </a:schemeClr>
+                </a:solidFill>
+              </a:rPr>
               <a:t>ELB</a:t>
             </a:r>
           </a:p>
           <a:p>
-            <a:r>
-              <a:rPr lang="en-US" dirty="0"/>
+            <a:pPr marL="342900" indent="-342900" defTabSz="457200">
+              <a:spcBef>
+                <a:spcPts val="1000"/>
+              </a:spcBef>
+              <a:spcAft>
+                <a:spcPts val="0"/>
+              </a:spcAft>
+              <a:buClr>
+                <a:schemeClr val="accent1"/>
+              </a:buClr>
+              <a:buSzPct val="80000"/>
+              <a:buFont typeface="Wingdings 3" charset="2"/>
+              <a:buChar char=""/>
+            </a:pPr>
+            <a:r>
+              <a:rPr lang="en-US" sz="1800" dirty="0">
+                <a:solidFill>
+                  <a:schemeClr val="tx1">
+                    <a:lumMod val="75000"/>
+                    <a:lumOff val="25000"/>
+                  </a:schemeClr>
+                </a:solidFill>
+              </a:rPr>
               <a:t>Auto scale Up and Down</a:t>
             </a:r>
           </a:p>
@@ -6906,7 +8077,7 @@
           <p:nvPr/>
         </p:nvPicPr>
         <p:blipFill>
-          <a:blip r:embed="rId2"/>
+          <a:blip r:embed="rId3"/>
           <a:stretch>
             <a:fillRect/>
           </a:stretch>
@@ -6934,7 +8105,7 @@
 </p:sld>
 </file>
 
-<file path=ppt/slides/slide5.xml><?xml version="1.0" encoding="utf-8"?>
+<file path=ppt/slides/slide6.xml><?xml version="1.0" encoding="utf-8"?>
 <p:sld xmlns:a="http://schemas.openxmlformats.org/drawingml/2006/main" xmlns:r="http://schemas.openxmlformats.org/officeDocument/2006/relationships" xmlns:p="http://schemas.openxmlformats.org/presentationml/2006/main">
   <p:cSld>
     <p:spTree>
@@ -7257,7 +8428,7 @@
           <a:p>
             <a:r>
               <a:rPr lang="en-US" dirty="0"/>
-              <a:t>ELB connection</a:t>
+              <a:t>ELB connection (health)</a:t>
             </a:r>
           </a:p>
           <a:p>
@@ -7287,7 +8458,7 @@
           <p:nvPr/>
         </p:nvPicPr>
         <p:blipFill>
-          <a:blip r:embed="rId2"/>
+          <a:blip r:embed="rId3"/>
           <a:stretch>
             <a:fillRect/>
           </a:stretch>
@@ -7317,7 +8488,7 @@
           <p:nvPr/>
         </p:nvPicPr>
         <p:blipFill>
-          <a:blip r:embed="rId3"/>
+          <a:blip r:embed="rId4"/>
           <a:stretch>
             <a:fillRect/>
           </a:stretch>
@@ -7336,6 +8507,103 @@
     <p:extLst>
       <p:ext uri="{BB962C8B-B14F-4D97-AF65-F5344CB8AC3E}">
         <p14:creationId xmlns:p14="http://schemas.microsoft.com/office/powerpoint/2010/main" val="2590984112"/>
+      </p:ext>
+    </p:extLst>
+  </p:cSld>
+  <p:clrMapOvr>
+    <a:masterClrMapping/>
+  </p:clrMapOvr>
+</p:sld>
+</file>
+
+<file path=ppt/slides/slide7.xml><?xml version="1.0" encoding="utf-8"?>
+<p:sld xmlns:a="http://schemas.openxmlformats.org/drawingml/2006/main" xmlns:r="http://schemas.openxmlformats.org/officeDocument/2006/relationships" xmlns:p="http://schemas.openxmlformats.org/presentationml/2006/main">
+  <p:cSld>
+    <p:spTree>
+      <p:nvGrpSpPr>
+        <p:cNvPr id="1" name=""/>
+        <p:cNvGrpSpPr/>
+        <p:nvPr/>
+      </p:nvGrpSpPr>
+      <p:grpSpPr>
+        <a:xfrm>
+          <a:off x="0" y="0"/>
+          <a:ext cx="0" cy="0"/>
+          <a:chOff x="0" y="0"/>
+          <a:chExt cx="0" cy="0"/>
+        </a:xfrm>
+      </p:grpSpPr>
+      <p:sp>
+        <p:nvSpPr>
+          <p:cNvPr id="2" name="Content Placeholder 1"/>
+          <p:cNvSpPr>
+            <a:spLocks noGrp="1"/>
+          </p:cNvSpPr>
+          <p:nvPr>
+            <p:ph sz="quarter" idx="13"/>
+          </p:nvPr>
+        </p:nvSpPr>
+        <p:spPr>
+          <a:xfrm>
+            <a:off x="304800" y="1219200"/>
+            <a:ext cx="7858897" cy="4800600"/>
+          </a:xfrm>
+        </p:spPr>
+        <p:txBody>
+          <a:bodyPr numCol="2"/>
+          <a:lstStyle/>
+          <a:p>
+            <a:r>
+              <a:rPr lang="en-US" dirty="0"/>
+              <a:t>Create ELB Configuration</a:t>
+            </a:r>
+          </a:p>
+          <a:p>
+            <a:r>
+              <a:rPr lang="en-US" dirty="0"/>
+              <a:t>Launch EC2 instance</a:t>
+            </a:r>
+          </a:p>
+          <a:p>
+            <a:r>
+              <a:rPr lang="en-US" dirty="0"/>
+              <a:t>Register</a:t>
+            </a:r>
+          </a:p>
+          <a:p>
+            <a:r>
+              <a:rPr lang="en-US" dirty="0"/>
+              <a:t>Check ELB DNS name points to EC2 in Auto-Scale Group</a:t>
+            </a:r>
+          </a:p>
+        </p:txBody>
+      </p:sp>
+      <p:sp>
+        <p:nvSpPr>
+          <p:cNvPr id="3" name="Title 2"/>
+          <p:cNvSpPr>
+            <a:spLocks noGrp="1"/>
+          </p:cNvSpPr>
+          <p:nvPr>
+            <p:ph type="title"/>
+          </p:nvPr>
+        </p:nvSpPr>
+        <p:spPr/>
+        <p:txBody>
+          <a:bodyPr/>
+          <a:lstStyle/>
+          <a:p>
+            <a:r>
+              <a:rPr lang="en-US" dirty="0"/>
+              <a:t>Home Task</a:t>
+            </a:r>
+          </a:p>
+        </p:txBody>
+      </p:sp>
+    </p:spTree>
+    <p:extLst>
+      <p:ext uri="{BB962C8B-B14F-4D97-AF65-F5344CB8AC3E}">
+        <p14:creationId xmlns:p14="http://schemas.microsoft.com/office/powerpoint/2010/main" val="676443928"/>
       </p:ext>
     </p:extLst>
   </p:cSld>

--- a/Lecture_3_Auto_Scaling/auto_scale.pptx
+++ b/Lecture_3_Auto_Scaling/auto_scale.pptx
@@ -218,7 +218,7 @@
           <a:p>
             <a:fld id="{07D895DB-E61D-4CE9-9710-80DFE93F382F}" type="datetimeFigureOut">
               <a:rPr lang="en-US" smtClean="0"/>
-              <a:t>10/7/2019</a:t>
+              <a:t>10/8/2019</a:t>
             </a:fld>
             <a:endParaRPr lang="en-US"/>
           </a:p>
@@ -1710,7 +1710,7 @@
           <a:p>
             <a:fld id="{27B8273F-2766-4200-80E4-DA0439332E4F}" type="datetimeFigureOut">
               <a:rPr lang="en-US" smtClean="0"/>
-              <a:t>10/7/2019</a:t>
+              <a:t>10/8/2019</a:t>
             </a:fld>
             <a:endParaRPr lang="en-US"/>
           </a:p>
@@ -1961,7 +1961,7 @@
           <a:p>
             <a:fld id="{27B8273F-2766-4200-80E4-DA0439332E4F}" type="datetimeFigureOut">
               <a:rPr lang="en-US" smtClean="0"/>
-              <a:t>10/7/2019</a:t>
+              <a:t>10/8/2019</a:t>
             </a:fld>
             <a:endParaRPr lang="en-US"/>
           </a:p>
@@ -2275,7 +2275,7 @@
           <a:p>
             <a:fld id="{27B8273F-2766-4200-80E4-DA0439332E4F}" type="datetimeFigureOut">
               <a:rPr lang="en-US" smtClean="0"/>
-              <a:t>10/7/2019</a:t>
+              <a:t>10/8/2019</a:t>
             </a:fld>
             <a:endParaRPr lang="en-US"/>
           </a:p>
@@ -2616,7 +2616,7 @@
           <a:p>
             <a:fld id="{27B8273F-2766-4200-80E4-DA0439332E4F}" type="datetimeFigureOut">
               <a:rPr lang="en-US" smtClean="0"/>
-              <a:t>10/7/2019</a:t>
+              <a:t>10/8/2019</a:t>
             </a:fld>
             <a:endParaRPr lang="en-US"/>
           </a:p>
@@ -2930,7 +2930,7 @@
           <a:p>
             <a:fld id="{27B8273F-2766-4200-80E4-DA0439332E4F}" type="datetimeFigureOut">
               <a:rPr lang="en-US" smtClean="0"/>
-              <a:t>10/7/2019</a:t>
+              <a:t>10/8/2019</a:t>
             </a:fld>
             <a:endParaRPr lang="en-US"/>
           </a:p>
@@ -3323,7 +3323,7 @@
           <a:p>
             <a:fld id="{27B8273F-2766-4200-80E4-DA0439332E4F}" type="datetimeFigureOut">
               <a:rPr lang="en-US" smtClean="0"/>
-              <a:t>10/7/2019</a:t>
+              <a:t>10/8/2019</a:t>
             </a:fld>
             <a:endParaRPr lang="en-US"/>
           </a:p>
@@ -3493,7 +3493,7 @@
           <a:p>
             <a:fld id="{27B8273F-2766-4200-80E4-DA0439332E4F}" type="datetimeFigureOut">
               <a:rPr lang="en-US" smtClean="0"/>
-              <a:t>10/7/2019</a:t>
+              <a:t>10/8/2019</a:t>
             </a:fld>
             <a:endParaRPr lang="en-US"/>
           </a:p>
@@ -3673,7 +3673,7 @@
           <a:p>
             <a:fld id="{27B8273F-2766-4200-80E4-DA0439332E4F}" type="datetimeFigureOut">
               <a:rPr lang="en-US" smtClean="0"/>
-              <a:t>10/7/2019</a:t>
+              <a:t>10/8/2019</a:t>
             </a:fld>
             <a:endParaRPr lang="en-US"/>
           </a:p>
@@ -4247,7 +4247,7 @@
           <a:p>
             <a:fld id="{27B8273F-2766-4200-80E4-DA0439332E4F}" type="datetimeFigureOut">
               <a:rPr lang="en-US" smtClean="0"/>
-              <a:t>10/7/2019</a:t>
+              <a:t>10/8/2019</a:t>
             </a:fld>
             <a:endParaRPr lang="en-US"/>
           </a:p>
@@ -4494,7 +4494,7 @@
           <a:p>
             <a:fld id="{27B8273F-2766-4200-80E4-DA0439332E4F}" type="datetimeFigureOut">
               <a:rPr lang="en-US" smtClean="0"/>
-              <a:t>10/7/2019</a:t>
+              <a:t>10/8/2019</a:t>
             </a:fld>
             <a:endParaRPr lang="en-US"/>
           </a:p>
@@ -4726,7 +4726,7 @@
           <a:p>
             <a:fld id="{27B8273F-2766-4200-80E4-DA0439332E4F}" type="datetimeFigureOut">
               <a:rPr lang="en-US" smtClean="0"/>
-              <a:t>10/7/2019</a:t>
+              <a:t>10/8/2019</a:t>
             </a:fld>
             <a:endParaRPr lang="en-US"/>
           </a:p>
@@ -5100,7 +5100,7 @@
           <a:p>
             <a:fld id="{27B8273F-2766-4200-80E4-DA0439332E4F}" type="datetimeFigureOut">
               <a:rPr lang="en-US" smtClean="0"/>
-              <a:t>10/7/2019</a:t>
+              <a:t>10/8/2019</a:t>
             </a:fld>
             <a:endParaRPr lang="en-US"/>
           </a:p>
@@ -5223,7 +5223,7 @@
           <a:p>
             <a:fld id="{27B8273F-2766-4200-80E4-DA0439332E4F}" type="datetimeFigureOut">
               <a:rPr lang="en-US" smtClean="0"/>
-              <a:t>10/7/2019</a:t>
+              <a:t>10/8/2019</a:t>
             </a:fld>
             <a:endParaRPr lang="en-US"/>
           </a:p>
@@ -5318,7 +5318,7 @@
           <a:p>
             <a:fld id="{27B8273F-2766-4200-80E4-DA0439332E4F}" type="datetimeFigureOut">
               <a:rPr lang="en-US" smtClean="0"/>
-              <a:t>10/7/2019</a:t>
+              <a:t>10/8/2019</a:t>
             </a:fld>
             <a:endParaRPr lang="en-US"/>
           </a:p>
@@ -5573,7 +5573,7 @@
           <a:p>
             <a:fld id="{27B8273F-2766-4200-80E4-DA0439332E4F}" type="datetimeFigureOut">
               <a:rPr lang="en-US" smtClean="0"/>
-              <a:t>10/7/2019</a:t>
+              <a:t>10/8/2019</a:t>
             </a:fld>
             <a:endParaRPr lang="en-US"/>
           </a:p>
@@ -5836,7 +5836,7 @@
           <a:p>
             <a:fld id="{27B8273F-2766-4200-80E4-DA0439332E4F}" type="datetimeFigureOut">
               <a:rPr lang="en-US" smtClean="0"/>
-              <a:t>10/7/2019</a:t>
+              <a:t>10/8/2019</a:t>
             </a:fld>
             <a:endParaRPr lang="en-US"/>
           </a:p>
@@ -6579,7 +6579,7 @@
           <a:p>
             <a:fld id="{27B8273F-2766-4200-80E4-DA0439332E4F}" type="datetimeFigureOut">
               <a:rPr lang="en-US" smtClean="0"/>
-              <a:t>10/7/2019</a:t>
+              <a:t>10/8/2019</a:t>
             </a:fld>
             <a:endParaRPr lang="en-US"/>
           </a:p>
@@ -8546,7 +8546,7 @@
         <p:spPr>
           <a:xfrm>
             <a:off x="304800" y="1219200"/>
-            <a:ext cx="7858897" cy="4800600"/>
+            <a:ext cx="8518689" cy="4800600"/>
           </a:xfrm>
         </p:spPr>
         <p:txBody>
@@ -8567,13 +8567,13 @@
           <a:p>
             <a:r>
               <a:rPr lang="en-US" dirty="0"/>
-              <a:t>Register</a:t>
+              <a:t>Register in ELB</a:t>
             </a:r>
           </a:p>
           <a:p>
             <a:r>
               <a:rPr lang="en-US" dirty="0"/>
-              <a:t>Check ELB DNS name points to EC2 in Auto-Scale Group</a:t>
+              <a:t>Check ELB DNS name points to EC2 in Auto-Scale Group via Browser</a:t>
             </a:r>
           </a:p>
         </p:txBody>
